--- a/ppt 모음/CPython5.pptx
+++ b/ppt 모음/CPython5.pptx
@@ -5,16 +5,18 @@
     <p:sldMasterId id="2147483750" r:id="rId1"/>
   </p:sldMasterIdLst>
   <p:notesMasterIdLst>
-    <p:notesMasterId r:id="rId9"/>
+    <p:notesMasterId r:id="rId11"/>
   </p:notesMasterIdLst>
   <p:sldIdLst>
     <p:sldId id="256" r:id="rId2"/>
-    <p:sldId id="258" r:id="rId3"/>
-    <p:sldId id="259" r:id="rId4"/>
-    <p:sldId id="260" r:id="rId5"/>
-    <p:sldId id="261" r:id="rId6"/>
-    <p:sldId id="262" r:id="rId7"/>
-    <p:sldId id="257" r:id="rId8"/>
+    <p:sldId id="263" r:id="rId3"/>
+    <p:sldId id="264" r:id="rId4"/>
+    <p:sldId id="258" r:id="rId5"/>
+    <p:sldId id="259" r:id="rId6"/>
+    <p:sldId id="260" r:id="rId7"/>
+    <p:sldId id="261" r:id="rId8"/>
+    <p:sldId id="262" r:id="rId9"/>
+    <p:sldId id="257" r:id="rId10"/>
   </p:sldIdLst>
   <p:sldSz cx="9144000" cy="6858000" type="screen4x3"/>
   <p:notesSz cx="6797675" cy="9874250"/>
@@ -271,7 +273,7 @@
           <a:p>
             <a:fld id="{57764B8E-7EC0-4B59-8DA5-E04CAE3DB5F2}" type="datetimeFigureOut">
               <a:rPr lang="ko-KR" altLang="en-US" smtClean="0"/>
-              <a:t>2023-07-30</a:t>
+              <a:t>2023-07-31</a:t>
             </a:fld>
             <a:endParaRPr lang="ko-KR" altLang="en-US"/>
           </a:p>
@@ -4326,7 +4328,7 @@
           <p:cNvPr id="2" name="제목 1">
             <a:extLst>
               <a:ext uri="{FF2B5EF4-FFF2-40B4-BE49-F238E27FC236}">
-                <a16:creationId xmlns:a16="http://schemas.microsoft.com/office/drawing/2014/main" id="{D857EBB2-EB93-60EB-5A7E-BCC9B6F85228}"/>
+                <a16:creationId xmlns:a16="http://schemas.microsoft.com/office/drawing/2014/main" id="{89051FC1-3748-918B-4629-1BAC599328C0}"/>
               </a:ext>
             </a:extLst>
           </p:cNvPr>
@@ -4344,7 +4346,15 @@
           <a:p>
             <a:r>
               <a:rPr lang="ko-KR" altLang="en-US" dirty="0"/>
-              <a:t>목차</a:t>
+              <a:t>부록 </a:t>
+            </a:r>
+            <a:r>
+              <a:rPr lang="en-US" altLang="ko-KR" dirty="0"/>
+              <a:t>– CSE </a:t>
+            </a:r>
+            <a:r>
+              <a:rPr lang="ko-KR" altLang="en-US" dirty="0"/>
+              <a:t>홈페이지</a:t>
             </a:r>
           </a:p>
         </p:txBody>
@@ -4354,7 +4364,7 @@
           <p:cNvPr id="3" name="내용 개체 틀 2">
             <a:extLst>
               <a:ext uri="{FF2B5EF4-FFF2-40B4-BE49-F238E27FC236}">
-                <a16:creationId xmlns:a16="http://schemas.microsoft.com/office/drawing/2014/main" id="{51B9148A-C54F-56E4-DB17-1AC70549D5DA}"/>
+                <a16:creationId xmlns:a16="http://schemas.microsoft.com/office/drawing/2014/main" id="{0304E89D-8EF7-309A-4F91-4ACDF6531677}"/>
               </a:ext>
             </a:extLst>
           </p:cNvPr>
@@ -4365,32 +4375,57 @@
             <p:ph idx="1"/>
           </p:nvPr>
         </p:nvSpPr>
-        <p:spPr/>
+        <p:spPr>
+          <a:xfrm>
+            <a:off x="828675" y="5373216"/>
+            <a:ext cx="7991475" cy="951384"/>
+          </a:xfrm>
+        </p:spPr>
         <p:txBody>
           <a:bodyPr/>
           <a:lstStyle/>
           <a:p>
             <a:r>
               <a:rPr lang="ko-KR" altLang="en-US" dirty="0"/>
-              <a:t>지금까지 진행도</a:t>
-            </a:r>
-            <a:endParaRPr lang="en-US" altLang="ko-KR" dirty="0"/>
-          </a:p>
-          <a:p>
-            <a:endParaRPr lang="en-US" altLang="ko-KR" dirty="0"/>
-          </a:p>
-          <a:p>
-            <a:r>
-              <a:rPr lang="ko-KR" altLang="en-US" dirty="0"/>
-              <a:t>앞으로의 진행 방향</a:t>
-            </a:r>
-          </a:p>
-        </p:txBody>
-      </p:sp>
+              <a:t>홈페이지 메인 화면</a:t>
+            </a:r>
+          </a:p>
+        </p:txBody>
+      </p:sp>
+      <p:pic>
+        <p:nvPicPr>
+          <p:cNvPr id="7" name="그림 6">
+            <a:extLst>
+              <a:ext uri="{FF2B5EF4-FFF2-40B4-BE49-F238E27FC236}">
+                <a16:creationId xmlns:a16="http://schemas.microsoft.com/office/drawing/2014/main" id="{9EEF2CDA-DA60-BF87-8963-48B5BD07AFA0}"/>
+              </a:ext>
+            </a:extLst>
+          </p:cNvPr>
+          <p:cNvPicPr>
+            <a:picLocks noChangeAspect="1"/>
+          </p:cNvPicPr>
+          <p:nvPr/>
+        </p:nvPicPr>
+        <p:blipFill>
+          <a:blip r:embed="rId2"/>
+          <a:stretch>
+            <a:fillRect/>
+          </a:stretch>
+        </p:blipFill>
+        <p:spPr>
+          <a:xfrm>
+            <a:off x="859176" y="1196752"/>
+            <a:ext cx="7668344" cy="3816020"/>
+          </a:xfrm>
+          <a:prstGeom prst="rect">
+            <a:avLst/>
+          </a:prstGeom>
+        </p:spPr>
+      </p:pic>
     </p:spTree>
     <p:extLst>
       <p:ext uri="{BB962C8B-B14F-4D97-AF65-F5344CB8AC3E}">
-        <p14:creationId xmlns:p14="http://schemas.microsoft.com/office/powerpoint/2010/main" val="1653780892"/>
+        <p14:creationId xmlns:p14="http://schemas.microsoft.com/office/powerpoint/2010/main" val="1809285031"/>
       </p:ext>
     </p:extLst>
   </p:cSld>
@@ -4422,6 +4457,269 @@
           <p:cNvPr id="2" name="제목 1">
             <a:extLst>
               <a:ext uri="{FF2B5EF4-FFF2-40B4-BE49-F238E27FC236}">
+                <a16:creationId xmlns:a16="http://schemas.microsoft.com/office/drawing/2014/main" id="{89051FC1-3748-918B-4629-1BAC599328C0}"/>
+              </a:ext>
+            </a:extLst>
+          </p:cNvPr>
+          <p:cNvSpPr>
+            <a:spLocks noGrp="1"/>
+          </p:cNvSpPr>
+          <p:nvPr>
+            <p:ph type="title"/>
+          </p:nvPr>
+        </p:nvSpPr>
+        <p:spPr/>
+        <p:txBody>
+          <a:bodyPr/>
+          <a:lstStyle/>
+          <a:p>
+            <a:r>
+              <a:rPr lang="ko-KR" altLang="en-US" dirty="0"/>
+              <a:t>부록 </a:t>
+            </a:r>
+            <a:r>
+              <a:rPr lang="en-US" altLang="ko-KR" dirty="0"/>
+              <a:t>– CSE </a:t>
+            </a:r>
+            <a:r>
+              <a:rPr lang="ko-KR" altLang="en-US" dirty="0"/>
+              <a:t>홈페이지 기능</a:t>
+            </a:r>
+          </a:p>
+        </p:txBody>
+      </p:sp>
+      <p:sp>
+        <p:nvSpPr>
+          <p:cNvPr id="3" name="내용 개체 틀 2">
+            <a:extLst>
+              <a:ext uri="{FF2B5EF4-FFF2-40B4-BE49-F238E27FC236}">
+                <a16:creationId xmlns:a16="http://schemas.microsoft.com/office/drawing/2014/main" id="{0304E89D-8EF7-309A-4F91-4ACDF6531677}"/>
+              </a:ext>
+            </a:extLst>
+          </p:cNvPr>
+          <p:cNvSpPr>
+            <a:spLocks noGrp="1"/>
+          </p:cNvSpPr>
+          <p:nvPr>
+            <p:ph idx="1"/>
+          </p:nvPr>
+        </p:nvSpPr>
+        <p:spPr>
+          <a:xfrm>
+            <a:off x="828675" y="1196752"/>
+            <a:ext cx="7991475" cy="5127848"/>
+          </a:xfrm>
+        </p:spPr>
+        <p:txBody>
+          <a:bodyPr/>
+          <a:lstStyle/>
+          <a:p>
+            <a:r>
+              <a:rPr lang="ko-KR" altLang="en-US" dirty="0" err="1"/>
+              <a:t>학회비</a:t>
+            </a:r>
+            <a:r>
+              <a:rPr lang="ko-KR" altLang="en-US" dirty="0"/>
+              <a:t> 납부 확인</a:t>
+            </a:r>
+            <a:endParaRPr lang="en-US" altLang="ko-KR" dirty="0"/>
+          </a:p>
+          <a:p>
+            <a:r>
+              <a:rPr lang="ko-KR" altLang="en-US" dirty="0"/>
+              <a:t>사물함 사용신청</a:t>
+            </a:r>
+            <a:endParaRPr lang="en-US" altLang="ko-KR" dirty="0"/>
+          </a:p>
+          <a:p>
+            <a:r>
+              <a:rPr lang="ko-KR" altLang="en-US" dirty="0"/>
+              <a:t>파일백업</a:t>
+            </a:r>
+            <a:r>
+              <a:rPr lang="en-US" altLang="ko-KR" dirty="0"/>
+              <a:t>(</a:t>
+            </a:r>
+            <a:r>
+              <a:rPr lang="ko-KR" altLang="en-US" dirty="0"/>
+              <a:t>클라우드</a:t>
+            </a:r>
+            <a:r>
+              <a:rPr lang="en-US" altLang="ko-KR" dirty="0"/>
+              <a:t>)</a:t>
+            </a:r>
+          </a:p>
+          <a:p>
+            <a:r>
+              <a:rPr lang="ko-KR" altLang="en-US" dirty="0"/>
+              <a:t>강의실별 시간표</a:t>
+            </a:r>
+            <a:r>
+              <a:rPr lang="en-US" altLang="ko-KR" dirty="0"/>
+              <a:t>,</a:t>
+            </a:r>
+            <a:r>
+              <a:rPr lang="ko-KR" altLang="en-US" dirty="0"/>
+              <a:t> 학년별 시간표</a:t>
+            </a:r>
+            <a:endParaRPr lang="en-US" altLang="ko-KR" dirty="0"/>
+          </a:p>
+          <a:p>
+            <a:r>
+              <a:rPr lang="ko-KR" altLang="en-US" dirty="0"/>
+              <a:t>자유게시판</a:t>
+            </a:r>
+            <a:endParaRPr lang="en-US" altLang="ko-KR" dirty="0"/>
+          </a:p>
+          <a:p>
+            <a:endParaRPr lang="en-US" altLang="ko-KR" dirty="0"/>
+          </a:p>
+          <a:p>
+            <a:r>
+              <a:rPr lang="en-US" altLang="ko-KR" dirty="0"/>
+              <a:t>220.69.209.126:9000/</a:t>
+            </a:r>
+          </a:p>
+          <a:p>
+            <a:r>
+              <a:rPr lang="en-US" altLang="ko-KR" dirty="0" err="1"/>
+              <a:t>seolak</a:t>
+            </a:r>
+            <a:endParaRPr lang="en-US" altLang="ko-KR" dirty="0"/>
+          </a:p>
+        </p:txBody>
+      </p:sp>
+    </p:spTree>
+    <p:extLst>
+      <p:ext uri="{BB962C8B-B14F-4D97-AF65-F5344CB8AC3E}">
+        <p14:creationId xmlns:p14="http://schemas.microsoft.com/office/powerpoint/2010/main" val="2565210818"/>
+      </p:ext>
+    </p:extLst>
+  </p:cSld>
+  <p:clrMapOvr>
+    <a:masterClrMapping/>
+  </p:clrMapOvr>
+</p:sld>
+</file>
+
+<file path=ppt/slides/slide4.xml><?xml version="1.0" encoding="utf-8"?>
+<p:sld xmlns:a="http://schemas.openxmlformats.org/drawingml/2006/main" xmlns:r="http://schemas.openxmlformats.org/officeDocument/2006/relationships" xmlns:p="http://schemas.openxmlformats.org/presentationml/2006/main">
+  <p:cSld>
+    <p:spTree>
+      <p:nvGrpSpPr>
+        <p:cNvPr id="1" name=""/>
+        <p:cNvGrpSpPr/>
+        <p:nvPr/>
+      </p:nvGrpSpPr>
+      <p:grpSpPr>
+        <a:xfrm>
+          <a:off x="0" y="0"/>
+          <a:ext cx="0" cy="0"/>
+          <a:chOff x="0" y="0"/>
+          <a:chExt cx="0" cy="0"/>
+        </a:xfrm>
+      </p:grpSpPr>
+      <p:sp>
+        <p:nvSpPr>
+          <p:cNvPr id="2" name="제목 1">
+            <a:extLst>
+              <a:ext uri="{FF2B5EF4-FFF2-40B4-BE49-F238E27FC236}">
+                <a16:creationId xmlns:a16="http://schemas.microsoft.com/office/drawing/2014/main" id="{D857EBB2-EB93-60EB-5A7E-BCC9B6F85228}"/>
+              </a:ext>
+            </a:extLst>
+          </p:cNvPr>
+          <p:cNvSpPr>
+            <a:spLocks noGrp="1"/>
+          </p:cNvSpPr>
+          <p:nvPr>
+            <p:ph type="title"/>
+          </p:nvPr>
+        </p:nvSpPr>
+        <p:spPr/>
+        <p:txBody>
+          <a:bodyPr/>
+          <a:lstStyle/>
+          <a:p>
+            <a:r>
+              <a:rPr lang="ko-KR" altLang="en-US" dirty="0"/>
+              <a:t>목차</a:t>
+            </a:r>
+          </a:p>
+        </p:txBody>
+      </p:sp>
+      <p:sp>
+        <p:nvSpPr>
+          <p:cNvPr id="3" name="내용 개체 틀 2">
+            <a:extLst>
+              <a:ext uri="{FF2B5EF4-FFF2-40B4-BE49-F238E27FC236}">
+                <a16:creationId xmlns:a16="http://schemas.microsoft.com/office/drawing/2014/main" id="{51B9148A-C54F-56E4-DB17-1AC70549D5DA}"/>
+              </a:ext>
+            </a:extLst>
+          </p:cNvPr>
+          <p:cNvSpPr>
+            <a:spLocks noGrp="1"/>
+          </p:cNvSpPr>
+          <p:nvPr>
+            <p:ph idx="1"/>
+          </p:nvPr>
+        </p:nvSpPr>
+        <p:spPr/>
+        <p:txBody>
+          <a:bodyPr/>
+          <a:lstStyle/>
+          <a:p>
+            <a:r>
+              <a:rPr lang="ko-KR" altLang="en-US" dirty="0"/>
+              <a:t>지금까지 진행도</a:t>
+            </a:r>
+            <a:endParaRPr lang="en-US" altLang="ko-KR" dirty="0"/>
+          </a:p>
+          <a:p>
+            <a:endParaRPr lang="en-US" altLang="ko-KR" dirty="0"/>
+          </a:p>
+          <a:p>
+            <a:r>
+              <a:rPr lang="ko-KR" altLang="en-US" dirty="0"/>
+              <a:t>앞으로의 진행 방향</a:t>
+            </a:r>
+          </a:p>
+        </p:txBody>
+      </p:sp>
+    </p:spTree>
+    <p:extLst>
+      <p:ext uri="{BB962C8B-B14F-4D97-AF65-F5344CB8AC3E}">
+        <p14:creationId xmlns:p14="http://schemas.microsoft.com/office/powerpoint/2010/main" val="1653780892"/>
+      </p:ext>
+    </p:extLst>
+  </p:cSld>
+  <p:clrMapOvr>
+    <a:masterClrMapping/>
+  </p:clrMapOvr>
+</p:sld>
+</file>
+
+<file path=ppt/slides/slide5.xml><?xml version="1.0" encoding="utf-8"?>
+<p:sld xmlns:a="http://schemas.openxmlformats.org/drawingml/2006/main" xmlns:r="http://schemas.openxmlformats.org/officeDocument/2006/relationships" xmlns:p="http://schemas.openxmlformats.org/presentationml/2006/main">
+  <p:cSld>
+    <p:spTree>
+      <p:nvGrpSpPr>
+        <p:cNvPr id="1" name=""/>
+        <p:cNvGrpSpPr/>
+        <p:nvPr/>
+      </p:nvGrpSpPr>
+      <p:grpSpPr>
+        <a:xfrm>
+          <a:off x="0" y="0"/>
+          <a:ext cx="0" cy="0"/>
+          <a:chOff x="0" y="0"/>
+          <a:chExt cx="0" cy="0"/>
+        </a:xfrm>
+      </p:grpSpPr>
+      <p:sp>
+        <p:nvSpPr>
+          <p:cNvPr id="2" name="제목 1">
+            <a:extLst>
+              <a:ext uri="{FF2B5EF4-FFF2-40B4-BE49-F238E27FC236}">
                 <a16:creationId xmlns:a16="http://schemas.microsoft.com/office/drawing/2014/main" id="{C32E9C4D-3F52-086D-FF4A-E548AF89273A}"/>
               </a:ext>
             </a:extLst>
@@ -4582,7 +4880,7 @@
 </p:sld>
 </file>
 
-<file path=ppt/slides/slide4.xml><?xml version="1.0" encoding="utf-8"?>
+<file path=ppt/slides/slide6.xml><?xml version="1.0" encoding="utf-8"?>
 <p:sld xmlns:a="http://schemas.openxmlformats.org/drawingml/2006/main" xmlns:r="http://schemas.openxmlformats.org/officeDocument/2006/relationships" xmlns:p="http://schemas.openxmlformats.org/presentationml/2006/main">
   <p:cSld>
     <p:spTree>
@@ -4898,7 +5196,7 @@
 </p:sld>
 </file>
 
-<file path=ppt/slides/slide5.xml><?xml version="1.0" encoding="utf-8"?>
+<file path=ppt/slides/slide7.xml><?xml version="1.0" encoding="utf-8"?>
 <p:sld xmlns:a="http://schemas.openxmlformats.org/drawingml/2006/main" xmlns:r="http://schemas.openxmlformats.org/officeDocument/2006/relationships" xmlns:p="http://schemas.openxmlformats.org/presentationml/2006/main">
   <p:cSld>
     <p:spTree>
@@ -5645,7 +5943,7 @@
 </p:sld>
 </file>
 
-<file path=ppt/slides/slide6.xml><?xml version="1.0" encoding="utf-8"?>
+<file path=ppt/slides/slide8.xml><?xml version="1.0" encoding="utf-8"?>
 <p:sld xmlns:a="http://schemas.openxmlformats.org/drawingml/2006/main" xmlns:r="http://schemas.openxmlformats.org/officeDocument/2006/relationships" xmlns:p="http://schemas.openxmlformats.org/presentationml/2006/main">
   <p:cSld>
     <p:spTree>
@@ -5853,7 +6151,7 @@
 </p:sld>
 </file>
 
-<file path=ppt/slides/slide7.xml><?xml version="1.0" encoding="utf-8"?>
+<file path=ppt/slides/slide9.xml><?xml version="1.0" encoding="utf-8"?>
 <p:sld xmlns:a="http://schemas.openxmlformats.org/drawingml/2006/main" xmlns:r="http://schemas.openxmlformats.org/officeDocument/2006/relationships" xmlns:p="http://schemas.openxmlformats.org/presentationml/2006/main">
   <p:cSld>
     <p:spTree>
